--- a/Presentations/Sirius_TP.pptx
+++ b/Presentations/Sirius_TP.pptx
@@ -5,7 +5,7 @@
     <p:sldMasterId id="2147483648" r:id="rId1"/>
   </p:sldMasterIdLst>
   <p:notesMasterIdLst>
-    <p:notesMasterId r:id="rId19"/>
+    <p:notesMasterId r:id="rId20"/>
   </p:notesMasterIdLst>
   <p:sldIdLst>
     <p:sldId id="256" r:id="rId2"/>
@@ -24,7 +24,8 @@
     <p:sldId id="274" r:id="rId15"/>
     <p:sldId id="273" r:id="rId16"/>
     <p:sldId id="272" r:id="rId17"/>
-    <p:sldId id="275" r:id="rId18"/>
+    <p:sldId id="276" r:id="rId18"/>
+    <p:sldId id="275" r:id="rId19"/>
   </p:sldIdLst>
   <p:sldSz cx="12192000" cy="6858000"/>
   <p:notesSz cx="6858000" cy="9144000"/>
@@ -213,7 +214,7 @@
           <a:p>
             <a:fld id="{DB3BAF0F-B5C9-6447-A63C-D6A55301FED4}" type="datetimeFigureOut">
               <a:rPr lang="ru-RU" smtClean="0"/>
-              <a:t>20.07.2021</a:t>
+              <a:t>21.07.2021</a:t>
             </a:fld>
             <a:endParaRPr lang="ru-RU"/>
           </a:p>
@@ -627,7 +628,7 @@
           <a:p>
             <a:fld id="{FE51BBD0-5739-C14D-9C15-B9DC1A96F171}" type="datetime1">
               <a:rPr lang="ru-RU" smtClean="0"/>
-              <a:t>20.07.2021</a:t>
+              <a:t>21.07.2021</a:t>
             </a:fld>
             <a:endParaRPr lang="ru-RU"/>
           </a:p>
@@ -825,7 +826,7 @@
           <a:p>
             <a:fld id="{1CBA792D-A3E6-164D-A883-0471A3ECB0E6}" type="datetime1">
               <a:rPr lang="ru-RU" smtClean="0"/>
-              <a:t>20.07.2021</a:t>
+              <a:t>21.07.2021</a:t>
             </a:fld>
             <a:endParaRPr lang="ru-RU"/>
           </a:p>
@@ -1033,7 +1034,7 @@
           <a:p>
             <a:fld id="{80708D9C-3A9C-FC44-B58A-1C08A2ACA2B4}" type="datetime1">
               <a:rPr lang="ru-RU" smtClean="0"/>
-              <a:t>20.07.2021</a:t>
+              <a:t>21.07.2021</a:t>
             </a:fld>
             <a:endParaRPr lang="ru-RU"/>
           </a:p>
@@ -1231,7 +1232,7 @@
           <a:p>
             <a:fld id="{1ADE427B-B833-D84D-8FC0-0C889C8CBFC5}" type="datetime1">
               <a:rPr lang="ru-RU" smtClean="0"/>
-              <a:t>20.07.2021</a:t>
+              <a:t>21.07.2021</a:t>
             </a:fld>
             <a:endParaRPr lang="ru-RU"/>
           </a:p>
@@ -1506,7 +1507,7 @@
           <a:p>
             <a:fld id="{B9C011FF-FCAE-B645-BB41-53C22E03B7CE}" type="datetime1">
               <a:rPr lang="ru-RU" smtClean="0"/>
-              <a:t>20.07.2021</a:t>
+              <a:t>21.07.2021</a:t>
             </a:fld>
             <a:endParaRPr lang="ru-RU"/>
           </a:p>
@@ -1771,7 +1772,7 @@
           <a:p>
             <a:fld id="{80941C29-DE51-744D-83B5-4F0D431C8551}" type="datetime1">
               <a:rPr lang="ru-RU" smtClean="0"/>
-              <a:t>20.07.2021</a:t>
+              <a:t>21.07.2021</a:t>
             </a:fld>
             <a:endParaRPr lang="ru-RU"/>
           </a:p>
@@ -2183,7 +2184,7 @@
           <a:p>
             <a:fld id="{1F63CAE3-997F-034F-983B-CECC8FB7B519}" type="datetime1">
               <a:rPr lang="ru-RU" smtClean="0"/>
-              <a:t>20.07.2021</a:t>
+              <a:t>21.07.2021</a:t>
             </a:fld>
             <a:endParaRPr lang="ru-RU"/>
           </a:p>
@@ -2324,7 +2325,7 @@
           <a:p>
             <a:fld id="{31019527-992C-D445-9AE2-5740E117DEBB}" type="datetime1">
               <a:rPr lang="ru-RU" smtClean="0"/>
-              <a:t>20.07.2021</a:t>
+              <a:t>21.07.2021</a:t>
             </a:fld>
             <a:endParaRPr lang="ru-RU"/>
           </a:p>
@@ -2437,7 +2438,7 @@
           <a:p>
             <a:fld id="{F1533E43-D90D-AE49-8C0D-9AF45FEE0F5A}" type="datetime1">
               <a:rPr lang="ru-RU" smtClean="0"/>
-              <a:t>20.07.2021</a:t>
+              <a:t>21.07.2021</a:t>
             </a:fld>
             <a:endParaRPr lang="ru-RU"/>
           </a:p>
@@ -2748,7 +2749,7 @@
           <a:p>
             <a:fld id="{A69F1E9A-6F05-114F-A8DB-353BE7288864}" type="datetime1">
               <a:rPr lang="ru-RU" smtClean="0"/>
-              <a:t>20.07.2021</a:t>
+              <a:t>21.07.2021</a:t>
             </a:fld>
             <a:endParaRPr lang="ru-RU"/>
           </a:p>
@@ -3036,7 +3037,7 @@
           <a:p>
             <a:fld id="{3E18A120-F3F1-E24D-9A7F-D76008A88DD8}" type="datetime1">
               <a:rPr lang="ru-RU" smtClean="0"/>
-              <a:t>20.07.2021</a:t>
+              <a:t>21.07.2021</a:t>
             </a:fld>
             <a:endParaRPr lang="ru-RU"/>
           </a:p>
@@ -3277,7 +3278,7 @@
           <a:p>
             <a:fld id="{E5BCC170-917E-1142-B3D9-A17882F4B44E}" type="datetime1">
               <a:rPr lang="ru-RU" smtClean="0"/>
-              <a:t>20.07.2021</a:t>
+              <a:t>21.07.2021</a:t>
             </a:fld>
             <a:endParaRPr lang="ru-RU"/>
           </a:p>
@@ -6944,8 +6945,8 @@
           </a:p>
         </p:txBody>
       </p:sp>
-      <mc:AlternateContent xmlns:mc="http://schemas.openxmlformats.org/markup-compatibility/2006">
-        <mc:Choice xmlns:a14="http://schemas.microsoft.com/office/drawing/2010/main" Requires="a14">
+      <mc:AlternateContent xmlns:mc="http://schemas.openxmlformats.org/markup-compatibility/2006" xmlns:a14="http://schemas.microsoft.com/office/drawing/2010/main">
+        <mc:Choice Requires="a14">
           <p:sp>
             <p:nvSpPr>
               <p:cNvPr id="3" name="Объект 2">
@@ -7008,7 +7009,7 @@
             </p:txBody>
           </p:sp>
         </mc:Choice>
-        <mc:Fallback>
+        <mc:Fallback xmlns="">
           <p:sp>
             <p:nvSpPr>
               <p:cNvPr id="3" name="Объект 2">
@@ -7111,8 +7112,8 @@
           </a:prstGeom>
         </p:spPr>
       </p:pic>
-      <mc:AlternateContent xmlns:mc="http://schemas.openxmlformats.org/markup-compatibility/2006">
-        <mc:Choice xmlns:a14="http://schemas.microsoft.com/office/drawing/2010/main" Requires="a14">
+      <mc:AlternateContent xmlns:mc="http://schemas.openxmlformats.org/markup-compatibility/2006" xmlns:a14="http://schemas.microsoft.com/office/drawing/2010/main">
+        <mc:Choice Requires="a14">
           <p:graphicFrame>
             <p:nvGraphicFramePr>
               <p:cNvPr id="4" name="Таблица 3"/>
@@ -9808,7 +9809,7 @@
             </a:graphic>
           </p:graphicFrame>
         </mc:Choice>
-        <mc:Fallback>
+        <mc:Fallback xmlns="">
           <p:graphicFrame>
             <p:nvGraphicFramePr>
               <p:cNvPr id="4" name="Таблица 3"/>
@@ -10714,8 +10715,8 @@
           </a:p>
         </p:txBody>
       </p:sp>
-      <mc:AlternateContent xmlns:mc="http://schemas.openxmlformats.org/markup-compatibility/2006">
-        <mc:Choice xmlns:a14="http://schemas.microsoft.com/office/drawing/2010/main" Requires="a14">
+      <mc:AlternateContent xmlns:mc="http://schemas.openxmlformats.org/markup-compatibility/2006" xmlns:a14="http://schemas.microsoft.com/office/drawing/2010/main">
+        <mc:Choice Requires="a14">
           <p:sp>
             <p:nvSpPr>
               <p:cNvPr id="11" name="TextBox 10"/>
@@ -10761,7 +10762,7 @@
             </p:txBody>
           </p:sp>
         </mc:Choice>
-        <mc:Fallback>
+        <mc:Fallback xmlns="">
           <p:sp>
             <p:nvSpPr>
               <p:cNvPr id="11" name="TextBox 10"/>
@@ -10800,8 +10801,8 @@
           </p:sp>
         </mc:Fallback>
       </mc:AlternateContent>
-      <mc:AlternateContent xmlns:mc="http://schemas.openxmlformats.org/markup-compatibility/2006">
-        <mc:Choice xmlns:a14="http://schemas.microsoft.com/office/drawing/2010/main" Requires="a14">
+      <mc:AlternateContent xmlns:mc="http://schemas.openxmlformats.org/markup-compatibility/2006" xmlns:a14="http://schemas.microsoft.com/office/drawing/2010/main">
+        <mc:Choice Requires="a14">
           <p:sp>
             <p:nvSpPr>
               <p:cNvPr id="12" name="TextBox 11"/>
@@ -10843,7 +10844,7 @@
             </p:txBody>
           </p:sp>
         </mc:Choice>
-        <mc:Fallback>
+        <mc:Fallback xmlns="">
           <p:sp>
             <p:nvSpPr>
               <p:cNvPr id="12" name="TextBox 11"/>
@@ -10972,8 +10973,8 @@
           </a:p>
         </p:txBody>
       </p:sp>
-      <mc:AlternateContent xmlns:mc="http://schemas.openxmlformats.org/markup-compatibility/2006">
-        <mc:Choice xmlns:a14="http://schemas.microsoft.com/office/drawing/2010/main" Requires="a14">
+      <mc:AlternateContent xmlns:mc="http://schemas.openxmlformats.org/markup-compatibility/2006" xmlns:a14="http://schemas.microsoft.com/office/drawing/2010/main">
+        <mc:Choice Requires="a14">
           <p:sp>
             <p:nvSpPr>
               <p:cNvPr id="16" name="TextBox 15"/>
@@ -11019,7 +11020,7 @@
             </p:txBody>
           </p:sp>
         </mc:Choice>
-        <mc:Fallback>
+        <mc:Fallback xmlns="">
           <p:sp>
             <p:nvSpPr>
               <p:cNvPr id="16" name="TextBox 15"/>
@@ -11058,8 +11059,8 @@
           </p:sp>
         </mc:Fallback>
       </mc:AlternateContent>
-      <mc:AlternateContent xmlns:mc="http://schemas.openxmlformats.org/markup-compatibility/2006">
-        <mc:Choice xmlns:a14="http://schemas.microsoft.com/office/drawing/2010/main" Requires="a14">
+      <mc:AlternateContent xmlns:mc="http://schemas.openxmlformats.org/markup-compatibility/2006" xmlns:a14="http://schemas.microsoft.com/office/drawing/2010/main">
+        <mc:Choice Requires="a14">
           <p:sp>
             <p:nvSpPr>
               <p:cNvPr id="17" name="TextBox 16"/>
@@ -11105,7 +11106,7 @@
             </p:txBody>
           </p:sp>
         </mc:Choice>
-        <mc:Fallback>
+        <mc:Fallback xmlns="">
           <p:sp>
             <p:nvSpPr>
               <p:cNvPr id="17" name="TextBox 16"/>
@@ -11144,8 +11145,8 @@
           </p:sp>
         </mc:Fallback>
       </mc:AlternateContent>
-      <mc:AlternateContent xmlns:mc="http://schemas.openxmlformats.org/markup-compatibility/2006">
-        <mc:Choice xmlns:a14="http://schemas.microsoft.com/office/drawing/2010/main" Requires="a14">
+      <mc:AlternateContent xmlns:mc="http://schemas.openxmlformats.org/markup-compatibility/2006" xmlns:a14="http://schemas.microsoft.com/office/drawing/2010/main">
+        <mc:Choice Requires="a14">
           <p:sp>
             <p:nvSpPr>
               <p:cNvPr id="18" name="TextBox 17"/>
@@ -11187,7 +11188,7 @@
             </p:txBody>
           </p:sp>
         </mc:Choice>
-        <mc:Fallback>
+        <mc:Fallback xmlns="">
           <p:sp>
             <p:nvSpPr>
               <p:cNvPr id="18" name="TextBox 17"/>
@@ -11372,8 +11373,8 @@
           </a:p>
         </p:txBody>
       </p:sp>
-      <mc:AlternateContent xmlns:mc="http://schemas.openxmlformats.org/markup-compatibility/2006">
-        <mc:Choice xmlns:a14="http://schemas.microsoft.com/office/drawing/2010/main" Requires="a14">
+      <mc:AlternateContent xmlns:mc="http://schemas.openxmlformats.org/markup-compatibility/2006" xmlns:a14="http://schemas.microsoft.com/office/drawing/2010/main">
+        <mc:Choice Requires="a14">
           <p:sp>
             <p:nvSpPr>
               <p:cNvPr id="3" name="Объект 2">
@@ -11420,12 +11421,11 @@
                   <a:rPr lang="en-US" sz="2400" dirty="0"/>
                   <a:t> positions for the predefined set of agents</a:t>
                 </a:r>
-                <a:endParaRPr lang="en-US" sz="2400" dirty="0"/>
               </a:p>
             </p:txBody>
           </p:sp>
         </mc:Choice>
-        <mc:Fallback>
+        <mc:Fallback xmlns="">
           <p:sp>
             <p:nvSpPr>
               <p:cNvPr id="3" name="Объект 2">
@@ -11499,8 +11499,8 @@
           </a:prstGeom>
         </p:spPr>
       </p:pic>
-      <mc:AlternateContent xmlns:mc="http://schemas.openxmlformats.org/markup-compatibility/2006">
-        <mc:Choice xmlns:a14="http://schemas.microsoft.com/office/drawing/2010/main" Requires="a14">
+      <mc:AlternateContent xmlns:mc="http://schemas.openxmlformats.org/markup-compatibility/2006" xmlns:a14="http://schemas.microsoft.com/office/drawing/2010/main">
+        <mc:Choice Requires="a14">
           <p:graphicFrame>
             <p:nvGraphicFramePr>
               <p:cNvPr id="4" name="Таблица 3"/>
@@ -15359,7 +15359,7 @@
             </a:graphic>
           </p:graphicFrame>
         </mc:Choice>
-        <mc:Fallback>
+        <mc:Fallback xmlns="">
           <p:graphicFrame>
             <p:nvGraphicFramePr>
               <p:cNvPr id="4" name="Таблица 3"/>
@@ -16844,8 +16844,8 @@
           </a:p>
         </p:txBody>
       </p:sp>
-      <mc:AlternateContent xmlns:mc="http://schemas.openxmlformats.org/markup-compatibility/2006">
-        <mc:Choice xmlns:a14="http://schemas.microsoft.com/office/drawing/2010/main" Requires="a14">
+      <mc:AlternateContent xmlns:mc="http://schemas.openxmlformats.org/markup-compatibility/2006" xmlns:a14="http://schemas.microsoft.com/office/drawing/2010/main">
+        <mc:Choice Requires="a14">
           <p:sp>
             <p:nvSpPr>
               <p:cNvPr id="3" name="Объект 2">
@@ -17435,7 +17435,7 @@
             </p:txBody>
           </p:sp>
         </mc:Choice>
-        <mc:Fallback>
+        <mc:Fallback xmlns="">
           <p:sp>
             <p:nvSpPr>
               <p:cNvPr id="3" name="Объект 2">
@@ -17598,7 +17598,7 @@
           <a:p>
             <a:r>
               <a:rPr lang="en-US" b="1" dirty="0"/>
-              <a:t>Task benefits</a:t>
+              <a:t>How it will be</a:t>
             </a:r>
             <a:endParaRPr lang="en-US" b="1" dirty="0"/>
           </a:p>
@@ -17633,116 +17633,52 @@
           <a:lstStyle/>
           <a:p>
             <a:r>
-              <a:rPr lang="en-US" dirty="0"/>
-              <a:t>Data is simple enough to process on an ordinary </a:t>
-            </a:r>
-            <a:r>
-              <a:rPr lang="en-US" dirty="0" smtClean="0"/>
-              <a:t>laptop</a:t>
+              <a:rPr lang="en-US" sz="2400" dirty="0"/>
+              <a:t>Automatic system to evaluate your solutions on </a:t>
+            </a:r>
+            <a:r>
+              <a:rPr lang="en-US" sz="2400"/>
+              <a:t>the </a:t>
+            </a:r>
+            <a:r>
+              <a:rPr lang="en-US" sz="2400" smtClean="0"/>
+              <a:t>subset </a:t>
+            </a:r>
+            <a:r>
+              <a:rPr lang="en-US" sz="2400" dirty="0"/>
+              <a:t>of the test </a:t>
+            </a:r>
+            <a:r>
+              <a:rPr lang="en-US" sz="2400" dirty="0" smtClean="0"/>
+              <a:t>set</a:t>
             </a:r>
           </a:p>
           <a:p>
             <a:pPr lvl="1"/>
             <a:r>
-              <a:rPr lang="en-US" dirty="0"/>
-              <a:t>T</a:t>
-            </a:r>
-            <a:r>
-              <a:rPr lang="en-US" dirty="0" smtClean="0"/>
-              <a:t>he </a:t>
-            </a:r>
-            <a:r>
-              <a:rPr lang="en-US" dirty="0"/>
-              <a:t>whole dataset takes less than 7 </a:t>
-            </a:r>
-            <a:r>
-              <a:rPr lang="en-US" dirty="0" err="1" smtClean="0"/>
-              <a:t>Gbyte</a:t>
-            </a:r>
-            <a:endParaRPr lang="en-US" dirty="0" smtClean="0"/>
+              <a:rPr lang="en-US" sz="2000" dirty="0">
+                <a:hlinkClick r:id="rId2"/>
+              </a:rPr>
+              <a:t>https://</a:t>
+            </a:r>
+            <a:r>
+              <a:rPr lang="en-US" sz="2000" dirty="0" smtClean="0">
+                <a:hlinkClick r:id="rId2"/>
+              </a:rPr>
+              <a:t>eval.ai/web/challenges/challenge-page/1194/phases</a:t>
+            </a:r>
+            <a:endParaRPr lang="en-US" sz="2000" dirty="0" smtClean="0"/>
+          </a:p>
+          <a:p>
+            <a:r>
+              <a:rPr lang="en-US" sz="2400" dirty="0"/>
+              <a:t>The final results will be ranked based on the full test results</a:t>
+            </a:r>
+            <a:endParaRPr lang="en-US" sz="2400" dirty="0" smtClean="0"/>
           </a:p>
           <a:p>
             <a:pPr lvl="1"/>
-            <a:r>
-              <a:rPr lang="en-US" dirty="0" smtClean="0"/>
-              <a:t>GPU </a:t>
-            </a:r>
-            <a:r>
-              <a:rPr lang="en-US" dirty="0"/>
-              <a:t>is helpful but not </a:t>
-            </a:r>
-            <a:r>
-              <a:rPr lang="en-US" dirty="0" smtClean="0"/>
-              <a:t>necessary</a:t>
-            </a:r>
-            <a:endParaRPr lang="en-US" dirty="0"/>
-          </a:p>
-          <a:p>
-            <a:r>
-              <a:rPr lang="en-US" dirty="0"/>
-              <a:t>Despite the small scale of data, the task formulation is close to the real product </a:t>
-            </a:r>
-            <a:r>
-              <a:rPr lang="en-US" dirty="0" smtClean="0"/>
-              <a:t>tasks</a:t>
-            </a:r>
-          </a:p>
-          <a:p>
-            <a:pPr lvl="1"/>
-            <a:r>
-              <a:rPr lang="en-US" dirty="0" smtClean="0"/>
-              <a:t>Findings </a:t>
-            </a:r>
-            <a:r>
-              <a:rPr lang="en-US" dirty="0"/>
-              <a:t>for this challenge may be beneficial for the state-of-the-art </a:t>
-            </a:r>
-            <a:r>
-              <a:rPr lang="en-US" dirty="0" smtClean="0"/>
-              <a:t>solutions</a:t>
-            </a:r>
-            <a:endParaRPr lang="en-US" dirty="0"/>
-          </a:p>
-          <a:p>
-            <a:r>
-              <a:rPr lang="en-US" dirty="0"/>
-              <a:t>Trajectory Prediction solution consists of several </a:t>
-            </a:r>
-            <a:r>
-              <a:rPr lang="en-US" dirty="0" smtClean="0"/>
-              <a:t>blocks</a:t>
-            </a:r>
-          </a:p>
-          <a:p>
-            <a:pPr lvl="1"/>
-            <a:r>
-              <a:rPr lang="en-US" dirty="0" smtClean="0"/>
-              <a:t>Scene </a:t>
-            </a:r>
-            <a:r>
-              <a:rPr lang="en-US" dirty="0"/>
-              <a:t>preprocessing, history encoder, agents interaction, trajectory forecaster, loss function, </a:t>
-            </a:r>
-            <a:r>
-              <a:rPr lang="en-US" dirty="0" smtClean="0"/>
-              <a:t>etc.</a:t>
-            </a:r>
-          </a:p>
-          <a:p>
-            <a:pPr lvl="1"/>
-            <a:r>
-              <a:rPr lang="en-US" dirty="0" smtClean="0"/>
-              <a:t>So</a:t>
-            </a:r>
-            <a:r>
-              <a:rPr lang="en-US" dirty="0"/>
-              <a:t>, there are a wealth of ways to improve baseline </a:t>
-            </a:r>
-            <a:r>
-              <a:rPr lang="en-US" dirty="0" smtClean="0"/>
-              <a:t>solutions</a:t>
-            </a:r>
-            <a:endParaRPr lang="en-US" dirty="0"/>
+            <a:endParaRPr lang="en-US" sz="2000" dirty="0"/>
           </a:p>
         </p:txBody>
       </p:sp>
@@ -17790,7 +17726,7 @@
           <p:nvPr/>
         </p:nvPicPr>
         <p:blipFill>
-          <a:blip r:embed="rId2"/>
+          <a:blip r:embed="rId3"/>
           <a:stretch>
             <a:fillRect/>
           </a:stretch>
@@ -17799,6 +17735,30 @@
           <a:xfrm>
             <a:off x="0" y="0"/>
             <a:ext cx="1564101" cy="405705"/>
+          </a:xfrm>
+          <a:prstGeom prst="rect">
+            <a:avLst/>
+          </a:prstGeom>
+        </p:spPr>
+      </p:pic>
+      <p:pic>
+        <p:nvPicPr>
+          <p:cNvPr id="4" name="Рисунок 3"/>
+          <p:cNvPicPr>
+            <a:picLocks noChangeAspect="1"/>
+          </p:cNvPicPr>
+          <p:nvPr/>
+        </p:nvPicPr>
+        <p:blipFill>
+          <a:blip r:embed="rId4"/>
+          <a:stretch>
+            <a:fillRect/>
+          </a:stretch>
+        </p:blipFill>
+        <p:spPr>
+          <a:xfrm>
+            <a:off x="564744" y="3593373"/>
+            <a:ext cx="11062512" cy="2673284"/>
           </a:xfrm>
           <a:prstGeom prst="rect">
             <a:avLst/>
@@ -17865,9 +17825,8 @@
           <a:p>
             <a:r>
               <a:rPr lang="en-US" b="1" dirty="0"/>
-              <a:t>Contacts</a:t>
-            </a:r>
-            <a:endParaRPr lang="en-US" b="1" dirty="0"/>
+              <a:t>Task benefits</a:t>
+            </a:r>
           </a:p>
         </p:txBody>
       </p:sp>
@@ -17900,91 +17859,115 @@
           <a:lstStyle/>
           <a:p>
             <a:r>
+              <a:rPr lang="en-US" dirty="0"/>
+              <a:t>Data is simple enough to process on an ordinary </a:t>
+            </a:r>
+            <a:r>
+              <a:rPr lang="en-US" dirty="0" smtClean="0"/>
+              <a:t>laptop</a:t>
+            </a:r>
+          </a:p>
+          <a:p>
+            <a:pPr lvl="1"/>
+            <a:r>
+              <a:rPr lang="en-US" dirty="0"/>
+              <a:t>T</a:t>
+            </a:r>
+            <a:r>
+              <a:rPr lang="en-US" dirty="0" smtClean="0"/>
+              <a:t>he </a:t>
+            </a:r>
+            <a:r>
+              <a:rPr lang="en-US" dirty="0"/>
+              <a:t>whole dataset takes less than 7 </a:t>
+            </a:r>
+            <a:r>
               <a:rPr lang="en-US" dirty="0" err="1" smtClean="0"/>
-              <a:t>Stepan</a:t>
-            </a:r>
+              <a:t>Gbyte</a:t>
+            </a:r>
+            <a:endParaRPr lang="en-US" dirty="0" smtClean="0"/>
+          </a:p>
+          <a:p>
+            <a:pPr lvl="1"/>
             <a:r>
               <a:rPr lang="en-US" dirty="0" smtClean="0"/>
-              <a:t> </a:t>
-            </a:r>
-            <a:r>
-              <a:rPr lang="en-US" dirty="0" err="1" smtClean="0"/>
-              <a:t>Komkov</a:t>
+              <a:t>GPU </a:t>
+            </a:r>
+            <a:r>
+              <a:rPr lang="en-US" dirty="0"/>
+              <a:t>is helpful but not </a:t>
             </a:r>
             <a:r>
               <a:rPr lang="en-US" dirty="0" smtClean="0"/>
-              <a:t> </a:t>
+              <a:t>necessary</a:t>
+            </a:r>
+            <a:endParaRPr lang="en-US" dirty="0"/>
+          </a:p>
+          <a:p>
+            <a:r>
+              <a:rPr lang="en-US" dirty="0"/>
+              <a:t>Despite the small scale of data, the task formulation is close to the real product </a:t>
+            </a:r>
+            <a:r>
+              <a:rPr lang="en-US" dirty="0" smtClean="0"/>
+              <a:t>tasks</a:t>
             </a:r>
           </a:p>
           <a:p>
             <a:pPr lvl="1"/>
             <a:r>
               <a:rPr lang="en-US" dirty="0" smtClean="0"/>
-              <a:t>Until the July 31</a:t>
-            </a:r>
-            <a:r>
-              <a:rPr lang="en-US" baseline="30000" dirty="0" smtClean="0"/>
-              <a:t>st</a:t>
+              <a:t>Findings </a:t>
+            </a:r>
+            <a:r>
+              <a:rPr lang="en-US" dirty="0"/>
+              <a:t>for this challenge may be beneficial for the state-of-the-art </a:t>
             </a:r>
             <a:r>
               <a:rPr lang="en-US" dirty="0" smtClean="0"/>
-              <a:t> </a:t>
+              <a:t>solutions</a:t>
+            </a:r>
+            <a:endParaRPr lang="en-US" dirty="0"/>
+          </a:p>
+          <a:p>
+            <a:r>
+              <a:rPr lang="en-US" dirty="0"/>
+              <a:t>Trajectory Prediction solution consists of several </a:t>
+            </a:r>
+            <a:r>
+              <a:rPr lang="en-US" dirty="0" smtClean="0"/>
+              <a:t>blocks</a:t>
             </a:r>
           </a:p>
           <a:p>
             <a:pPr lvl="1"/>
             <a:r>
               <a:rPr lang="en-US" dirty="0" smtClean="0"/>
-              <a:t>Telegram: @ Not for the GitHub version</a:t>
-            </a:r>
-          </a:p>
-          <a:p>
-            <a:endParaRPr lang="en-US" dirty="0"/>
-          </a:p>
-          <a:p>
+              <a:t>Scene </a:t>
+            </a:r>
+            <a:r>
+              <a:rPr lang="en-US" dirty="0"/>
+              <a:t>preprocessing, history encoder, agents interaction, trajectory forecaster, loss function, </a:t>
+            </a:r>
             <a:r>
               <a:rPr lang="en-US" dirty="0" smtClean="0"/>
-              <a:t>Alexander </a:t>
-            </a:r>
-            <a:r>
-              <a:rPr lang="en-US" dirty="0" err="1" smtClean="0"/>
-              <a:t>Petyushko</a:t>
-            </a:r>
+              <a:t>etc.</a:t>
+            </a:r>
+          </a:p>
+          <a:p>
+            <a:pPr lvl="1"/>
             <a:r>
               <a:rPr lang="en-US" dirty="0" smtClean="0"/>
-              <a:t> </a:t>
-            </a:r>
-          </a:p>
-          <a:p>
-            <a:pPr lvl="1"/>
+              <a:t>So</a:t>
+            </a:r>
+            <a:r>
+              <a:rPr lang="en-US" dirty="0"/>
+              <a:t>, there are a wealth of ways to improve baseline </a:t>
+            </a:r>
             <a:r>
               <a:rPr lang="en-US" dirty="0" smtClean="0"/>
-              <a:t>From the July 29</a:t>
-            </a:r>
-            <a:r>
-              <a:rPr lang="en-US" baseline="30000" dirty="0" smtClean="0"/>
-              <a:t>th</a:t>
-            </a:r>
-            <a:r>
-              <a:rPr lang="en-US" dirty="0" smtClean="0"/>
-              <a:t> </a:t>
-            </a:r>
-          </a:p>
-          <a:p>
-            <a:pPr lvl="1"/>
-            <a:r>
-              <a:rPr lang="en-US" dirty="0" smtClean="0"/>
-              <a:t>Telegram: </a:t>
-            </a:r>
-            <a:r>
-              <a:rPr lang="en-US" dirty="0"/>
-              <a:t>@ Not for the GitHub version</a:t>
-            </a:r>
-          </a:p>
-          <a:p>
-            <a:pPr marL="457200" lvl="1" indent="0">
-              <a:buNone/>
-            </a:pPr>
+              <a:t>solutions</a:t>
+            </a:r>
             <a:endParaRPr lang="en-US" dirty="0"/>
           </a:p>
         </p:txBody>
@@ -18013,6 +17996,248 @@
             <a:fld id="{DCB3C98A-3C46-9548-B374-F3CFAA7C3FDB}" type="slidenum">
               <a:rPr lang="ru-RU" smtClean="0"/>
               <a:t>17</a:t>
+            </a:fld>
+            <a:endParaRPr lang="ru-RU" dirty="0"/>
+          </a:p>
+        </p:txBody>
+      </p:sp>
+      <p:pic>
+        <p:nvPicPr>
+          <p:cNvPr id="7" name="Рисунок 6">
+            <a:extLst>
+              <a:ext uri="{FF2B5EF4-FFF2-40B4-BE49-F238E27FC236}">
+                <a16:creationId xmlns:a16="http://schemas.microsoft.com/office/drawing/2014/main" id="{F4FA936D-4116-7F44-B4DB-7E685BA3DFBB}"/>
+              </a:ext>
+            </a:extLst>
+          </p:cNvPr>
+          <p:cNvPicPr>
+            <a:picLocks noChangeAspect="1"/>
+          </p:cNvPicPr>
+          <p:nvPr/>
+        </p:nvPicPr>
+        <p:blipFill>
+          <a:blip r:embed="rId2"/>
+          <a:stretch>
+            <a:fillRect/>
+          </a:stretch>
+        </p:blipFill>
+        <p:spPr>
+          <a:xfrm>
+            <a:off x="0" y="0"/>
+            <a:ext cx="1564101" cy="405705"/>
+          </a:xfrm>
+          <a:prstGeom prst="rect">
+            <a:avLst/>
+          </a:prstGeom>
+        </p:spPr>
+      </p:pic>
+    </p:spTree>
+    <p:extLst>
+      <p:ext uri="{BB962C8B-B14F-4D97-AF65-F5344CB8AC3E}">
+        <p14:creationId xmlns:p14="http://schemas.microsoft.com/office/powerpoint/2010/main" val="2278022025"/>
+      </p:ext>
+    </p:extLst>
+  </p:cSld>
+  <p:clrMapOvr>
+    <a:masterClrMapping/>
+  </p:clrMapOvr>
+  <p:timing>
+    <p:tnLst>
+      <p:par>
+        <p:cTn id="1" dur="indefinite" restart="never" nodeType="tmRoot"/>
+      </p:par>
+    </p:tnLst>
+  </p:timing>
+</p:sld>
+</file>
+
+<file path=ppt/slides/slide18.xml><?xml version="1.0" encoding="utf-8"?>
+<p:sld xmlns:a="http://schemas.openxmlformats.org/drawingml/2006/main" xmlns:r="http://schemas.openxmlformats.org/officeDocument/2006/relationships" xmlns:p="http://schemas.openxmlformats.org/presentationml/2006/main">
+  <p:cSld>
+    <p:spTree>
+      <p:nvGrpSpPr>
+        <p:cNvPr id="1" name=""/>
+        <p:cNvGrpSpPr/>
+        <p:nvPr/>
+      </p:nvGrpSpPr>
+      <p:grpSpPr>
+        <a:xfrm>
+          <a:off x="0" y="0"/>
+          <a:ext cx="0" cy="0"/>
+          <a:chOff x="0" y="0"/>
+          <a:chExt cx="0" cy="0"/>
+        </a:xfrm>
+      </p:grpSpPr>
+      <p:sp>
+        <p:nvSpPr>
+          <p:cNvPr id="2" name="Заголовок 1">
+            <a:extLst>
+              <a:ext uri="{FF2B5EF4-FFF2-40B4-BE49-F238E27FC236}">
+                <a16:creationId xmlns:a16="http://schemas.microsoft.com/office/drawing/2014/main" id="{F792943E-EA2A-C34E-AC49-39DD788F86F5}"/>
+              </a:ext>
+            </a:extLst>
+          </p:cNvPr>
+          <p:cNvSpPr>
+            <a:spLocks noGrp="1"/>
+          </p:cNvSpPr>
+          <p:nvPr>
+            <p:ph type="title"/>
+          </p:nvPr>
+        </p:nvSpPr>
+        <p:spPr/>
+        <p:txBody>
+          <a:bodyPr/>
+          <a:lstStyle/>
+          <a:p>
+            <a:r>
+              <a:rPr lang="en-US" b="1" dirty="0"/>
+              <a:t>Contacts</a:t>
+            </a:r>
+          </a:p>
+        </p:txBody>
+      </p:sp>
+      <p:sp>
+        <p:nvSpPr>
+          <p:cNvPr id="3" name="Объект 2">
+            <a:extLst>
+              <a:ext uri="{FF2B5EF4-FFF2-40B4-BE49-F238E27FC236}">
+                <a16:creationId xmlns:a16="http://schemas.microsoft.com/office/drawing/2014/main" id="{35BBE42D-4825-2849-9942-2117BB3721EC}"/>
+              </a:ext>
+            </a:extLst>
+          </p:cNvPr>
+          <p:cNvSpPr>
+            <a:spLocks noGrp="1"/>
+          </p:cNvSpPr>
+          <p:nvPr>
+            <p:ph idx="1"/>
+          </p:nvPr>
+        </p:nvSpPr>
+        <p:spPr>
+          <a:xfrm>
+            <a:off x="838200" y="1759527"/>
+            <a:ext cx="10515600" cy="4417436"/>
+          </a:xfrm>
+        </p:spPr>
+        <p:txBody>
+          <a:bodyPr>
+            <a:normAutofit/>
+          </a:bodyPr>
+          <a:lstStyle/>
+          <a:p>
+            <a:r>
+              <a:rPr lang="en-US" dirty="0" err="1" smtClean="0"/>
+              <a:t>Stepan</a:t>
+            </a:r>
+            <a:r>
+              <a:rPr lang="en-US" dirty="0" smtClean="0"/>
+              <a:t> </a:t>
+            </a:r>
+            <a:r>
+              <a:rPr lang="en-US" dirty="0" err="1" smtClean="0"/>
+              <a:t>Komkov</a:t>
+            </a:r>
+            <a:r>
+              <a:rPr lang="en-US" dirty="0" smtClean="0"/>
+              <a:t> </a:t>
+            </a:r>
+          </a:p>
+          <a:p>
+            <a:pPr lvl="1"/>
+            <a:r>
+              <a:rPr lang="en-US" dirty="0" smtClean="0"/>
+              <a:t>Until the July 31</a:t>
+            </a:r>
+            <a:r>
+              <a:rPr lang="en-US" baseline="30000" dirty="0" smtClean="0"/>
+              <a:t>st</a:t>
+            </a:r>
+            <a:r>
+              <a:rPr lang="en-US" dirty="0" smtClean="0"/>
+              <a:t> </a:t>
+            </a:r>
+          </a:p>
+          <a:p>
+            <a:pPr lvl="1"/>
+            <a:r>
+              <a:rPr lang="en-US" dirty="0" smtClean="0"/>
+              <a:t>Telegram: @ Not for the GitHub version</a:t>
+            </a:r>
+          </a:p>
+          <a:p>
+            <a:endParaRPr lang="en-US" dirty="0"/>
+          </a:p>
+          <a:p>
+            <a:r>
+              <a:rPr lang="en-US" dirty="0" smtClean="0"/>
+              <a:t>Alexander </a:t>
+            </a:r>
+            <a:r>
+              <a:rPr lang="en-US" dirty="0" err="1" smtClean="0"/>
+              <a:t>Petyushko</a:t>
+            </a:r>
+            <a:r>
+              <a:rPr lang="en-US" dirty="0" smtClean="0"/>
+              <a:t> </a:t>
+            </a:r>
+          </a:p>
+          <a:p>
+            <a:pPr lvl="1"/>
+            <a:r>
+              <a:rPr lang="en-US" dirty="0" smtClean="0"/>
+              <a:t>From the July 29</a:t>
+            </a:r>
+            <a:r>
+              <a:rPr lang="en-US" baseline="30000" dirty="0" smtClean="0"/>
+              <a:t>th</a:t>
+            </a:r>
+            <a:r>
+              <a:rPr lang="en-US" dirty="0" smtClean="0"/>
+              <a:t> </a:t>
+            </a:r>
+          </a:p>
+          <a:p>
+            <a:pPr lvl="1"/>
+            <a:r>
+              <a:rPr lang="en-US" dirty="0" smtClean="0"/>
+              <a:t>Telegram: </a:t>
+            </a:r>
+            <a:r>
+              <a:rPr lang="en-US" dirty="0"/>
+              <a:t>@ Not for the GitHub version</a:t>
+            </a:r>
+          </a:p>
+          <a:p>
+            <a:pPr marL="457200" lvl="1" indent="0">
+              <a:buNone/>
+            </a:pPr>
+            <a:endParaRPr lang="en-US" dirty="0"/>
+          </a:p>
+        </p:txBody>
+      </p:sp>
+      <p:sp>
+        <p:nvSpPr>
+          <p:cNvPr id="6" name="Номер слайда 5">
+            <a:extLst>
+              <a:ext uri="{FF2B5EF4-FFF2-40B4-BE49-F238E27FC236}">
+                <a16:creationId xmlns:a16="http://schemas.microsoft.com/office/drawing/2014/main" id="{198802A4-E352-B04E-B005-3DD12FF454F3}"/>
+              </a:ext>
+            </a:extLst>
+          </p:cNvPr>
+          <p:cNvSpPr>
+            <a:spLocks noGrp="1"/>
+          </p:cNvSpPr>
+          <p:nvPr>
+            <p:ph type="sldNum" sz="quarter" idx="12"/>
+          </p:nvPr>
+        </p:nvSpPr>
+        <p:spPr/>
+        <p:txBody>
+          <a:bodyPr/>
+          <a:lstStyle/>
+          <a:p>
+            <a:fld id="{DCB3C98A-3C46-9548-B374-F3CFAA7C3FDB}" type="slidenum">
+              <a:rPr lang="ru-RU" smtClean="0"/>
+              <a:t>18</a:t>
             </a:fld>
             <a:endParaRPr lang="ru-RU" dirty="0"/>
           </a:p>

--- a/Presentations/Sirius_TP.pptx
+++ b/Presentations/Sirius_TP.pptx
@@ -214,7 +214,7 @@
           <a:p>
             <a:fld id="{DB3BAF0F-B5C9-6447-A63C-D6A55301FED4}" type="datetimeFigureOut">
               <a:rPr lang="ru-RU" smtClean="0"/>
-              <a:t>21.07.2021</a:t>
+              <a:t>22.07.2021</a:t>
             </a:fld>
             <a:endParaRPr lang="ru-RU"/>
           </a:p>
@@ -628,7 +628,7 @@
           <a:p>
             <a:fld id="{FE51BBD0-5739-C14D-9C15-B9DC1A96F171}" type="datetime1">
               <a:rPr lang="ru-RU" smtClean="0"/>
-              <a:t>21.07.2021</a:t>
+              <a:t>22.07.2021</a:t>
             </a:fld>
             <a:endParaRPr lang="ru-RU"/>
           </a:p>
@@ -826,7 +826,7 @@
           <a:p>
             <a:fld id="{1CBA792D-A3E6-164D-A883-0471A3ECB0E6}" type="datetime1">
               <a:rPr lang="ru-RU" smtClean="0"/>
-              <a:t>21.07.2021</a:t>
+              <a:t>22.07.2021</a:t>
             </a:fld>
             <a:endParaRPr lang="ru-RU"/>
           </a:p>
@@ -1034,7 +1034,7 @@
           <a:p>
             <a:fld id="{80708D9C-3A9C-FC44-B58A-1C08A2ACA2B4}" type="datetime1">
               <a:rPr lang="ru-RU" smtClean="0"/>
-              <a:t>21.07.2021</a:t>
+              <a:t>22.07.2021</a:t>
             </a:fld>
             <a:endParaRPr lang="ru-RU"/>
           </a:p>
@@ -1232,7 +1232,7 @@
           <a:p>
             <a:fld id="{1ADE427B-B833-D84D-8FC0-0C889C8CBFC5}" type="datetime1">
               <a:rPr lang="ru-RU" smtClean="0"/>
-              <a:t>21.07.2021</a:t>
+              <a:t>22.07.2021</a:t>
             </a:fld>
             <a:endParaRPr lang="ru-RU"/>
           </a:p>
@@ -1507,7 +1507,7 @@
           <a:p>
             <a:fld id="{B9C011FF-FCAE-B645-BB41-53C22E03B7CE}" type="datetime1">
               <a:rPr lang="ru-RU" smtClean="0"/>
-              <a:t>21.07.2021</a:t>
+              <a:t>22.07.2021</a:t>
             </a:fld>
             <a:endParaRPr lang="ru-RU"/>
           </a:p>
@@ -1772,7 +1772,7 @@
           <a:p>
             <a:fld id="{80941C29-DE51-744D-83B5-4F0D431C8551}" type="datetime1">
               <a:rPr lang="ru-RU" smtClean="0"/>
-              <a:t>21.07.2021</a:t>
+              <a:t>22.07.2021</a:t>
             </a:fld>
             <a:endParaRPr lang="ru-RU"/>
           </a:p>
@@ -2184,7 +2184,7 @@
           <a:p>
             <a:fld id="{1F63CAE3-997F-034F-983B-CECC8FB7B519}" type="datetime1">
               <a:rPr lang="ru-RU" smtClean="0"/>
-              <a:t>21.07.2021</a:t>
+              <a:t>22.07.2021</a:t>
             </a:fld>
             <a:endParaRPr lang="ru-RU"/>
           </a:p>
@@ -2325,7 +2325,7 @@
           <a:p>
             <a:fld id="{31019527-992C-D445-9AE2-5740E117DEBB}" type="datetime1">
               <a:rPr lang="ru-RU" smtClean="0"/>
-              <a:t>21.07.2021</a:t>
+              <a:t>22.07.2021</a:t>
             </a:fld>
             <a:endParaRPr lang="ru-RU"/>
           </a:p>
@@ -2438,7 +2438,7 @@
           <a:p>
             <a:fld id="{F1533E43-D90D-AE49-8C0D-9AF45FEE0F5A}" type="datetime1">
               <a:rPr lang="ru-RU" smtClean="0"/>
-              <a:t>21.07.2021</a:t>
+              <a:t>22.07.2021</a:t>
             </a:fld>
             <a:endParaRPr lang="ru-RU"/>
           </a:p>
@@ -2749,7 +2749,7 @@
           <a:p>
             <a:fld id="{A69F1E9A-6F05-114F-A8DB-353BE7288864}" type="datetime1">
               <a:rPr lang="ru-RU" smtClean="0"/>
-              <a:t>21.07.2021</a:t>
+              <a:t>22.07.2021</a:t>
             </a:fld>
             <a:endParaRPr lang="ru-RU"/>
           </a:p>
@@ -3037,7 +3037,7 @@
           <a:p>
             <a:fld id="{3E18A120-F3F1-E24D-9A7F-D76008A88DD8}" type="datetime1">
               <a:rPr lang="ru-RU" smtClean="0"/>
-              <a:t>21.07.2021</a:t>
+              <a:t>22.07.2021</a:t>
             </a:fld>
             <a:endParaRPr lang="ru-RU"/>
           </a:p>
@@ -3278,7 +3278,7 @@
           <a:p>
             <a:fld id="{E5BCC170-917E-1142-B3D9-A17882F4B44E}" type="datetime1">
               <a:rPr lang="ru-RU" smtClean="0"/>
-              <a:t>21.07.2021</a:t>
+              <a:t>22.07.2021</a:t>
             </a:fld>
             <a:endParaRPr lang="ru-RU"/>
           </a:p>
@@ -17600,7 +17600,6 @@
               <a:rPr lang="en-US" b="1" dirty="0"/>
               <a:t>How it will be</a:t>
             </a:r>
-            <a:endParaRPr lang="en-US" b="1" dirty="0"/>
           </a:p>
         </p:txBody>
       </p:sp>
@@ -18155,16 +18154,7 @@
               <a:rPr lang="en-US" dirty="0" smtClean="0"/>
               <a:t> </a:t>
             </a:r>
-          </a:p>
-          <a:p>
-            <a:pPr lvl="1"/>
-            <a:r>
-              <a:rPr lang="en-US" dirty="0" smtClean="0"/>
-              <a:t>Telegram: @ Not for the GitHub version</a:t>
-            </a:r>
-          </a:p>
-          <a:p>
-            <a:endParaRPr lang="en-US" dirty="0"/>
+            <a:endParaRPr lang="en-US" dirty="0" smtClean="0"/>
           </a:p>
           <a:p>
             <a:r>
@@ -18184,7 +18174,11 @@
             <a:pPr lvl="1"/>
             <a:r>
               <a:rPr lang="en-US" dirty="0" smtClean="0"/>
-              <a:t>From the July 29</a:t>
+              <a:t>From </a:t>
+            </a:r>
+            <a:r>
+              <a:rPr lang="en-US" dirty="0" smtClean="0"/>
+              <a:t>the July 29</a:t>
             </a:r>
             <a:r>
               <a:rPr lang="en-US" baseline="30000" dirty="0" smtClean="0"/>
@@ -18196,20 +18190,46 @@
             </a:r>
           </a:p>
           <a:p>
+            <a:r>
+              <a:rPr lang="en-US" dirty="0" smtClean="0"/>
+              <a:t>Chat of the challenge</a:t>
+            </a:r>
+            <a:endParaRPr lang="en-US" dirty="0"/>
+          </a:p>
+          <a:p>
             <a:pPr lvl="1"/>
             <a:r>
+              <a:rPr lang="en-US" dirty="0" smtClean="0">
+                <a:hlinkClick r:id="rId2"/>
+              </a:rPr>
+              <a:t>https://t.me/joinchat/Km7p_wYqHcU3MGFi</a:t>
+            </a:r>
+            <a:endParaRPr lang="en-US" dirty="0" smtClean="0"/>
+          </a:p>
+          <a:p>
+            <a:r>
               <a:rPr lang="en-US" dirty="0" smtClean="0"/>
-              <a:t>Telegram: </a:t>
-            </a:r>
-            <a:r>
-              <a:rPr lang="en-US" dirty="0"/>
-              <a:t>@ Not for the GitHub version</a:t>
-            </a:r>
-          </a:p>
-          <a:p>
-            <a:pPr marL="457200" lvl="1" indent="0">
-              <a:buNone/>
-            </a:pPr>
+              <a:t>News of the challenge</a:t>
+            </a:r>
+          </a:p>
+          <a:p>
+            <a:pPr lvl="1"/>
+            <a:r>
+              <a:rPr lang="en-US" dirty="0">
+                <a:hlinkClick r:id="rId3"/>
+              </a:rPr>
+              <a:t>https://</a:t>
+            </a:r>
+            <a:r>
+              <a:rPr lang="en-US" dirty="0" smtClean="0">
+                <a:hlinkClick r:id="rId3"/>
+              </a:rPr>
+              <a:t>t.me/joinchat/GewH2zFxBpYyZGRi</a:t>
+            </a:r>
+            <a:r>
+              <a:rPr lang="en-US" dirty="0" smtClean="0"/>
+              <a:t> </a:t>
+            </a:r>
             <a:endParaRPr lang="en-US" dirty="0"/>
           </a:p>
         </p:txBody>
@@ -18258,7 +18278,7 @@
           <p:nvPr/>
         </p:nvPicPr>
         <p:blipFill>
-          <a:blip r:embed="rId2"/>
+          <a:blip r:embed="rId4"/>
           <a:stretch>
             <a:fillRect/>
           </a:stretch>
@@ -18267,6 +18287,30 @@
           <a:xfrm>
             <a:off x="0" y="0"/>
             <a:ext cx="1564101" cy="405705"/>
+          </a:xfrm>
+          <a:prstGeom prst="rect">
+            <a:avLst/>
+          </a:prstGeom>
+        </p:spPr>
+      </p:pic>
+      <p:pic>
+        <p:nvPicPr>
+          <p:cNvPr id="4" name="Рисунок 3"/>
+          <p:cNvPicPr>
+            <a:picLocks noChangeAspect="1"/>
+          </p:cNvPicPr>
+          <p:nvPr/>
+        </p:nvPicPr>
+        <p:blipFill>
+          <a:blip r:embed="rId5"/>
+          <a:stretch>
+            <a:fillRect/>
+          </a:stretch>
+        </p:blipFill>
+        <p:spPr>
+          <a:xfrm>
+            <a:off x="7861005" y="2555469"/>
+            <a:ext cx="2531436" cy="2371345"/>
           </a:xfrm>
           <a:prstGeom prst="rect">
             <a:avLst/>
